--- a/lab_10-requesting_data/lab_10-requesting_data.pptx
+++ b/lab_10-requesting_data/lab_10-requesting_data.pptx
@@ -5,22 +5,21 @@
     <p:sldMasterId id="2147483648" r:id="rId1"/>
   </p:sldMasterIdLst>
   <p:notesMasterIdLst>
-    <p:notesMasterId r:id="rId15"/>
+    <p:notesMasterId r:id="rId14"/>
   </p:notesMasterIdLst>
   <p:sldIdLst>
     <p:sldId id="259" r:id="rId2"/>
     <p:sldId id="295" r:id="rId3"/>
     <p:sldId id="398" r:id="rId4"/>
     <p:sldId id="400" r:id="rId5"/>
-    <p:sldId id="401" r:id="rId6"/>
-    <p:sldId id="374" r:id="rId7"/>
-    <p:sldId id="368" r:id="rId8"/>
-    <p:sldId id="407" r:id="rId9"/>
-    <p:sldId id="366" r:id="rId10"/>
-    <p:sldId id="409" r:id="rId11"/>
-    <p:sldId id="406" r:id="rId12"/>
-    <p:sldId id="408" r:id="rId13"/>
-    <p:sldId id="309" r:id="rId14"/>
+    <p:sldId id="374" r:id="rId6"/>
+    <p:sldId id="368" r:id="rId7"/>
+    <p:sldId id="407" r:id="rId8"/>
+    <p:sldId id="366" r:id="rId9"/>
+    <p:sldId id="409" r:id="rId10"/>
+    <p:sldId id="406" r:id="rId11"/>
+    <p:sldId id="408" r:id="rId12"/>
+    <p:sldId id="309" r:id="rId13"/>
   </p:sldIdLst>
   <p:sldSz cx="12192000" cy="6858000"/>
   <p:notesSz cx="6858000" cy="9144000"/>
@@ -209,7 +208,7 @@
           <a:p>
             <a:fld id="{81C4B3FE-0320-8142-8396-5C3025C019EC}" type="datetimeFigureOut">
               <a:rPr lang="en-IT" smtClean="0"/>
-              <a:t>05/05/23</a:t>
+              <a:t>5/4/24</a:t>
             </a:fld>
             <a:endParaRPr lang="en-IT"/>
           </a:p>
@@ -794,7 +793,7 @@
           <a:p>
             <a:fld id="{CC0F43FB-3F33-3F4B-9768-2FBED988F992}" type="slidenum">
               <a:rPr lang="en-IT" smtClean="0"/>
-              <a:t>5</a:t>
+              <a:t>6</a:t>
             </a:fld>
             <a:endParaRPr lang="en-IT"/>
           </a:p>
@@ -803,7 +802,7 @@
     </p:spTree>
     <p:extLst>
       <p:ext uri="{BB962C8B-B14F-4D97-AF65-F5344CB8AC3E}">
-        <p14:creationId xmlns:p14="http://schemas.microsoft.com/office/powerpoint/2010/main" val="1274816175"/>
+        <p14:creationId xmlns:p14="http://schemas.microsoft.com/office/powerpoint/2010/main" val="1873110829"/>
       </p:ext>
     </p:extLst>
   </p:cSld>
@@ -887,7 +886,7 @@
     </p:spTree>
     <p:extLst>
       <p:ext uri="{BB962C8B-B14F-4D97-AF65-F5344CB8AC3E}">
-        <p14:creationId xmlns:p14="http://schemas.microsoft.com/office/powerpoint/2010/main" val="1873110829"/>
+        <p14:creationId xmlns:p14="http://schemas.microsoft.com/office/powerpoint/2010/main" val="4125852233"/>
       </p:ext>
     </p:extLst>
   </p:cSld>
@@ -963,90 +962,6 @@
             <a:fld id="{CC0F43FB-3F33-3F4B-9768-2FBED988F992}" type="slidenum">
               <a:rPr lang="en-IT" smtClean="0"/>
               <a:t>8</a:t>
-            </a:fld>
-            <a:endParaRPr lang="en-IT"/>
-          </a:p>
-        </p:txBody>
-      </p:sp>
-    </p:spTree>
-    <p:extLst>
-      <p:ext uri="{BB962C8B-B14F-4D97-AF65-F5344CB8AC3E}">
-        <p14:creationId xmlns:p14="http://schemas.microsoft.com/office/powerpoint/2010/main" val="4125852233"/>
-      </p:ext>
-    </p:extLst>
-  </p:cSld>
-  <p:clrMapOvr>
-    <a:masterClrMapping/>
-  </p:clrMapOvr>
-</p:notes>
-</file>
-
-<file path=ppt/notesSlides/notesSlide7.xml><?xml version="1.0" encoding="utf-8"?>
-<p:notes xmlns:a="http://schemas.openxmlformats.org/drawingml/2006/main" xmlns:r="http://schemas.openxmlformats.org/officeDocument/2006/relationships" xmlns:p="http://schemas.openxmlformats.org/presentationml/2006/main">
-  <p:cSld>
-    <p:spTree>
-      <p:nvGrpSpPr>
-        <p:cNvPr id="1" name=""/>
-        <p:cNvGrpSpPr/>
-        <p:nvPr/>
-      </p:nvGrpSpPr>
-      <p:grpSpPr>
-        <a:xfrm>
-          <a:off x="0" y="0"/>
-          <a:ext cx="0" cy="0"/>
-          <a:chOff x="0" y="0"/>
-          <a:chExt cx="0" cy="0"/>
-        </a:xfrm>
-      </p:grpSpPr>
-      <p:sp>
-        <p:nvSpPr>
-          <p:cNvPr id="2" name="Slide Image Placeholder 1"/>
-          <p:cNvSpPr>
-            <a:spLocks noGrp="1" noRot="1" noChangeAspect="1"/>
-          </p:cNvSpPr>
-          <p:nvPr>
-            <p:ph type="sldImg"/>
-          </p:nvPr>
-        </p:nvSpPr>
-        <p:spPr/>
-      </p:sp>
-      <p:sp>
-        <p:nvSpPr>
-          <p:cNvPr id="3" name="Notes Placeholder 2"/>
-          <p:cNvSpPr>
-            <a:spLocks noGrp="1"/>
-          </p:cNvSpPr>
-          <p:nvPr>
-            <p:ph type="body" idx="1"/>
-          </p:nvPr>
-        </p:nvSpPr>
-        <p:spPr/>
-        <p:txBody>
-          <a:bodyPr/>
-          <a:lstStyle/>
-          <a:p>
-            <a:endParaRPr lang="en-IT" dirty="0"/>
-          </a:p>
-        </p:txBody>
-      </p:sp>
-      <p:sp>
-        <p:nvSpPr>
-          <p:cNvPr id="4" name="Slide Number Placeholder 3"/>
-          <p:cNvSpPr>
-            <a:spLocks noGrp="1"/>
-          </p:cNvSpPr>
-          <p:nvPr>
-            <p:ph type="sldNum" sz="quarter" idx="5"/>
-          </p:nvPr>
-        </p:nvSpPr>
-        <p:spPr/>
-        <p:txBody>
-          <a:bodyPr/>
-          <a:lstStyle/>
-          <a:p>
-            <a:fld id="{CC0F43FB-3F33-3F4B-9768-2FBED988F992}" type="slidenum">
-              <a:rPr lang="en-IT" smtClean="0"/>
-              <a:t>9</a:t>
             </a:fld>
             <a:endParaRPr lang="en-IT"/>
           </a:p>
@@ -2026,7 +1941,7 @@
             </a:pPr>
             <a:r>
               <a:rPr lang="it-IT" sz="2800" dirty="0"/>
-              <a:t>A.Y. 2022-2023</a:t>
+              <a:t>A.Y. 2023-2024</a:t>
             </a:r>
           </a:p>
         </p:txBody>
@@ -3116,7 +3031,7 @@
           <a:p>
             <a:r>
               <a:rPr lang="en-IT" dirty="0"/>
-              <a:t>Outline</a:t>
+              <a:t>Exercise </a:t>
             </a:r>
           </a:p>
         </p:txBody>
@@ -3149,65 +3064,246 @@
           </a:bodyPr>
           <a:lstStyle/>
           <a:p>
-            <a:r>
-              <a:rPr lang="en-GB" dirty="0">
-                <a:solidFill>
-                  <a:schemeClr val="bg2">
-                    <a:lumMod val="90000"/>
-                  </a:schemeClr>
-                </a:solidFill>
-              </a:rPr>
-              <a:t>Recap</a:t>
-            </a:r>
-          </a:p>
-          <a:p>
-            <a:r>
-              <a:rPr lang="en-GB" dirty="0">
-                <a:solidFill>
-                  <a:schemeClr val="bg2">
-                    <a:lumMod val="90000"/>
-                  </a:schemeClr>
-                </a:solidFill>
-              </a:rPr>
-              <a:t>Requesting data from IMPACT</a:t>
-            </a:r>
-          </a:p>
-          <a:p>
-            <a:endParaRPr lang="en-GB" dirty="0">
-              <a:solidFill>
-                <a:schemeClr val="bg2">
-                  <a:lumMod val="90000"/>
-                </a:schemeClr>
-              </a:solidFill>
-            </a:endParaRPr>
-          </a:p>
-          <a:p>
-            <a:r>
-              <a:rPr lang="en-GB" b="1" dirty="0"/>
-              <a:t>Exercise</a:t>
-            </a:r>
-          </a:p>
-          <a:p>
-            <a:r>
-              <a:rPr lang="en-GB" dirty="0">
-                <a:solidFill>
-                  <a:schemeClr val="bg2">
-                    <a:lumMod val="90000"/>
-                  </a:schemeClr>
-                </a:solidFill>
-              </a:rPr>
-              <a:t>Resources</a:t>
-            </a:r>
-          </a:p>
-          <a:p>
             <a:endParaRPr lang="en-GB" dirty="0"/>
+          </a:p>
+          <a:p>
+            <a:pPr marL="0" indent="0">
+              <a:buNone/>
+            </a:pPr>
+            <a:br>
+              <a:rPr lang="en-GB" dirty="0"/>
+            </a:br>
+            <a:endParaRPr lang="en-IT" dirty="0"/>
+          </a:p>
+        </p:txBody>
+      </p:sp>
+      <p:sp>
+        <p:nvSpPr>
+          <p:cNvPr id="4" name="Content Placeholder 2">
+            <a:extLst>
+              <a:ext uri="{FF2B5EF4-FFF2-40B4-BE49-F238E27FC236}">
+                <a16:creationId xmlns:a16="http://schemas.microsoft.com/office/drawing/2014/main" id="{03191784-8C7D-5A41-BA03-B01CD477EA93}"/>
+              </a:ext>
+            </a:extLst>
+          </p:cNvPr>
+          <p:cNvSpPr txBox="1">
+            <a:spLocks/>
+          </p:cNvSpPr>
+          <p:nvPr/>
+        </p:nvSpPr>
+        <p:spPr>
+          <a:xfrm>
+            <a:off x="428171" y="1361167"/>
+            <a:ext cx="10913119" cy="5334907"/>
+          </a:xfrm>
+          <a:prstGeom prst="rect">
+            <a:avLst/>
+          </a:prstGeom>
+        </p:spPr>
+        <p:txBody>
+          <a:bodyPr vert="horz" lIns="91440" tIns="45720" rIns="91440" bIns="45720" rtlCol="0">
+            <a:normAutofit/>
+          </a:bodyPr>
+          <a:lstStyle>
+            <a:lvl1pPr marL="342900" indent="-342900" algn="l" defTabSz="914400" rtl="0" eaLnBrk="1" latinLnBrk="0" hangingPunct="1">
+              <a:lnSpc>
+                <a:spcPct val="90000"/>
+              </a:lnSpc>
+              <a:spcBef>
+                <a:spcPts val="1000"/>
+              </a:spcBef>
+              <a:buClr>
+                <a:srgbClr val="00B050"/>
+              </a:buClr>
+              <a:buFont typeface="Wingdings" panose="05000000000000000000" pitchFamily="2" charset="2"/>
+              <a:buChar char="Ø"/>
+              <a:defRPr sz="2400" kern="1200">
+                <a:solidFill>
+                  <a:schemeClr val="tx1"/>
+                </a:solidFill>
+                <a:latin typeface="Palatino Linotype" panose="02040502050505030304" pitchFamily="18" charset="0"/>
+                <a:ea typeface="+mn-ea"/>
+                <a:cs typeface="+mn-cs"/>
+              </a:defRPr>
+            </a:lvl1pPr>
+            <a:lvl2pPr marL="685800" indent="-228600" algn="l" defTabSz="914400" rtl="0" eaLnBrk="1" latinLnBrk="0" hangingPunct="1">
+              <a:lnSpc>
+                <a:spcPct val="90000"/>
+              </a:lnSpc>
+              <a:spcBef>
+                <a:spcPts val="500"/>
+              </a:spcBef>
+              <a:buClr>
+                <a:srgbClr val="00B050"/>
+              </a:buClr>
+              <a:buFont typeface="Wingdings" panose="05000000000000000000" pitchFamily="2" charset="2"/>
+              <a:buChar char="§"/>
+              <a:defRPr sz="2000" kern="1200">
+                <a:solidFill>
+                  <a:schemeClr val="tx1"/>
+                </a:solidFill>
+                <a:latin typeface="Palatino Linotype" panose="02040502050505030304" pitchFamily="18" charset="0"/>
+                <a:ea typeface="+mn-ea"/>
+                <a:cs typeface="+mn-cs"/>
+              </a:defRPr>
+            </a:lvl2pPr>
+            <a:lvl3pPr marL="1143000" indent="-228600" algn="l" defTabSz="914400" rtl="0" eaLnBrk="1" latinLnBrk="0" hangingPunct="1">
+              <a:lnSpc>
+                <a:spcPct val="90000"/>
+              </a:lnSpc>
+              <a:spcBef>
+                <a:spcPts val="500"/>
+              </a:spcBef>
+              <a:buClr>
+                <a:srgbClr val="00B050"/>
+              </a:buClr>
+              <a:buFont typeface="Arial" panose="020B0604020202020204" pitchFamily="34" charset="0"/>
+              <a:buChar char="•"/>
+              <a:defRPr sz="1800" kern="1200">
+                <a:solidFill>
+                  <a:schemeClr val="tx1"/>
+                </a:solidFill>
+                <a:latin typeface="Palatino Linotype" panose="02040502050505030304" pitchFamily="18" charset="0"/>
+                <a:ea typeface="+mn-ea"/>
+                <a:cs typeface="+mn-cs"/>
+              </a:defRPr>
+            </a:lvl3pPr>
+            <a:lvl4pPr marL="1600200" indent="-228600" algn="l" defTabSz="914400" rtl="0" eaLnBrk="1" latinLnBrk="0" hangingPunct="1">
+              <a:lnSpc>
+                <a:spcPct val="90000"/>
+              </a:lnSpc>
+              <a:spcBef>
+                <a:spcPts val="500"/>
+              </a:spcBef>
+              <a:buClr>
+                <a:srgbClr val="00B050"/>
+              </a:buClr>
+              <a:buFont typeface="Courier New" panose="02070309020205020404" pitchFamily="49" charset="0"/>
+              <a:buChar char="o"/>
+              <a:defRPr sz="1600" kern="1200">
+                <a:solidFill>
+                  <a:schemeClr val="tx1"/>
+                </a:solidFill>
+                <a:latin typeface="Palatino Linotype" panose="02040502050505030304" pitchFamily="18" charset="0"/>
+                <a:ea typeface="+mn-ea"/>
+                <a:cs typeface="+mn-cs"/>
+              </a:defRPr>
+            </a:lvl4pPr>
+            <a:lvl5pPr marL="2057400" indent="-228600" algn="l" defTabSz="914400" rtl="0" eaLnBrk="1" latinLnBrk="0" hangingPunct="1">
+              <a:lnSpc>
+                <a:spcPct val="90000"/>
+              </a:lnSpc>
+              <a:spcBef>
+                <a:spcPts val="500"/>
+              </a:spcBef>
+              <a:buClr>
+                <a:srgbClr val="00B050"/>
+              </a:buClr>
+              <a:buFont typeface="Times New Roman" panose="02020603050405020304" pitchFamily="18" charset="0"/>
+              <a:buChar char="̶"/>
+              <a:defRPr sz="1600" kern="1200">
+                <a:solidFill>
+                  <a:schemeClr val="tx1"/>
+                </a:solidFill>
+                <a:latin typeface="Palatino Linotype" panose="02040502050505030304" pitchFamily="18" charset="0"/>
+                <a:ea typeface="+mn-ea"/>
+                <a:cs typeface="+mn-cs"/>
+              </a:defRPr>
+            </a:lvl5pPr>
+            <a:lvl6pPr marL="2514600" indent="-228600" algn="l" defTabSz="914400" rtl="0" eaLnBrk="1" latinLnBrk="0" hangingPunct="1">
+              <a:lnSpc>
+                <a:spcPct val="90000"/>
+              </a:lnSpc>
+              <a:spcBef>
+                <a:spcPts val="500"/>
+              </a:spcBef>
+              <a:buFont typeface="Arial" panose="020B0604020202020204" pitchFamily="34" charset="0"/>
+              <a:buChar char="•"/>
+              <a:defRPr sz="1800" kern="1200">
+                <a:solidFill>
+                  <a:schemeClr val="tx1"/>
+                </a:solidFill>
+                <a:latin typeface="+mn-lt"/>
+                <a:ea typeface="+mn-ea"/>
+                <a:cs typeface="+mn-cs"/>
+              </a:defRPr>
+            </a:lvl6pPr>
+            <a:lvl7pPr marL="2971800" indent="-228600" algn="l" defTabSz="914400" rtl="0" eaLnBrk="1" latinLnBrk="0" hangingPunct="1">
+              <a:lnSpc>
+                <a:spcPct val="90000"/>
+              </a:lnSpc>
+              <a:spcBef>
+                <a:spcPts val="500"/>
+              </a:spcBef>
+              <a:buFont typeface="Arial" panose="020B0604020202020204" pitchFamily="34" charset="0"/>
+              <a:buChar char="•"/>
+              <a:defRPr sz="1800" kern="1200">
+                <a:solidFill>
+                  <a:schemeClr val="tx1"/>
+                </a:solidFill>
+                <a:latin typeface="+mn-lt"/>
+                <a:ea typeface="+mn-ea"/>
+                <a:cs typeface="+mn-cs"/>
+              </a:defRPr>
+            </a:lvl7pPr>
+            <a:lvl8pPr marL="3429000" indent="-228600" algn="l" defTabSz="914400" rtl="0" eaLnBrk="1" latinLnBrk="0" hangingPunct="1">
+              <a:lnSpc>
+                <a:spcPct val="90000"/>
+              </a:lnSpc>
+              <a:spcBef>
+                <a:spcPts val="500"/>
+              </a:spcBef>
+              <a:buFont typeface="Arial" panose="020B0604020202020204" pitchFamily="34" charset="0"/>
+              <a:buChar char="•"/>
+              <a:defRPr sz="1800" kern="1200">
+                <a:solidFill>
+                  <a:schemeClr val="tx1"/>
+                </a:solidFill>
+                <a:latin typeface="+mn-lt"/>
+                <a:ea typeface="+mn-ea"/>
+                <a:cs typeface="+mn-cs"/>
+              </a:defRPr>
+            </a:lvl8pPr>
+            <a:lvl9pPr marL="3886200" indent="-228600" algn="l" defTabSz="914400" rtl="0" eaLnBrk="1" latinLnBrk="0" hangingPunct="1">
+              <a:lnSpc>
+                <a:spcPct val="90000"/>
+              </a:lnSpc>
+              <a:spcBef>
+                <a:spcPts val="500"/>
+              </a:spcBef>
+              <a:buFont typeface="Arial" panose="020B0604020202020204" pitchFamily="34" charset="0"/>
+              <a:buChar char="•"/>
+              <a:defRPr sz="1800" kern="1200">
+                <a:solidFill>
+                  <a:schemeClr val="tx1"/>
+                </a:solidFill>
+                <a:latin typeface="+mn-lt"/>
+                <a:ea typeface="+mn-ea"/>
+                <a:cs typeface="+mn-cs"/>
+              </a:defRPr>
+            </a:lvl9pPr>
+          </a:lstStyle>
+          <a:p>
+            <a:r>
+              <a:rPr lang="en-US" dirty="0"/>
+              <a:t>Get familiar with the example</a:t>
+            </a:r>
+          </a:p>
+          <a:p>
+            <a:endParaRPr lang="en-US" dirty="0"/>
+          </a:p>
+          <a:p>
+            <a:r>
+              <a:rPr lang="en-US" dirty="0"/>
+              <a:t>Try to integrate the request data flow in your project </a:t>
+            </a:r>
           </a:p>
         </p:txBody>
       </p:sp>
     </p:spTree>
     <p:extLst>
       <p:ext uri="{BB962C8B-B14F-4D97-AF65-F5344CB8AC3E}">
-        <p14:creationId xmlns:p14="http://schemas.microsoft.com/office/powerpoint/2010/main" val="532546349"/>
+        <p14:creationId xmlns:p14="http://schemas.microsoft.com/office/powerpoint/2010/main" val="2608999866"/>
       </p:ext>
     </p:extLst>
   </p:cSld>
@@ -3257,7 +3353,7 @@
           <a:p>
             <a:r>
               <a:rPr lang="en-IT" dirty="0"/>
-              <a:t>Exercise </a:t>
+              <a:t>Outline</a:t>
             </a:r>
           </a:p>
         </p:txBody>
@@ -3290,328 +3386,6 @@
           </a:bodyPr>
           <a:lstStyle/>
           <a:p>
-            <a:endParaRPr lang="en-GB" dirty="0"/>
-          </a:p>
-          <a:p>
-            <a:pPr marL="0" indent="0">
-              <a:buNone/>
-            </a:pPr>
-            <a:br>
-              <a:rPr lang="en-GB" dirty="0"/>
-            </a:br>
-            <a:endParaRPr lang="en-IT" dirty="0"/>
-          </a:p>
-        </p:txBody>
-      </p:sp>
-      <p:sp>
-        <p:nvSpPr>
-          <p:cNvPr id="4" name="Content Placeholder 2">
-            <a:extLst>
-              <a:ext uri="{FF2B5EF4-FFF2-40B4-BE49-F238E27FC236}">
-                <a16:creationId xmlns:a16="http://schemas.microsoft.com/office/drawing/2014/main" id="{03191784-8C7D-5A41-BA03-B01CD477EA93}"/>
-              </a:ext>
-            </a:extLst>
-          </p:cNvPr>
-          <p:cNvSpPr txBox="1">
-            <a:spLocks/>
-          </p:cNvSpPr>
-          <p:nvPr/>
-        </p:nvSpPr>
-        <p:spPr>
-          <a:xfrm>
-            <a:off x="428171" y="1361167"/>
-            <a:ext cx="10913119" cy="5334907"/>
-          </a:xfrm>
-          <a:prstGeom prst="rect">
-            <a:avLst/>
-          </a:prstGeom>
-        </p:spPr>
-        <p:txBody>
-          <a:bodyPr vert="horz" lIns="91440" tIns="45720" rIns="91440" bIns="45720" rtlCol="0">
-            <a:normAutofit/>
-          </a:bodyPr>
-          <a:lstStyle>
-            <a:lvl1pPr marL="342900" indent="-342900" algn="l" defTabSz="914400" rtl="0" eaLnBrk="1" latinLnBrk="0" hangingPunct="1">
-              <a:lnSpc>
-                <a:spcPct val="90000"/>
-              </a:lnSpc>
-              <a:spcBef>
-                <a:spcPts val="1000"/>
-              </a:spcBef>
-              <a:buClr>
-                <a:srgbClr val="00B050"/>
-              </a:buClr>
-              <a:buFont typeface="Wingdings" panose="05000000000000000000" pitchFamily="2" charset="2"/>
-              <a:buChar char="Ø"/>
-              <a:defRPr sz="2400" kern="1200">
-                <a:solidFill>
-                  <a:schemeClr val="tx1"/>
-                </a:solidFill>
-                <a:latin typeface="Palatino Linotype" panose="02040502050505030304" pitchFamily="18" charset="0"/>
-                <a:ea typeface="+mn-ea"/>
-                <a:cs typeface="+mn-cs"/>
-              </a:defRPr>
-            </a:lvl1pPr>
-            <a:lvl2pPr marL="685800" indent="-228600" algn="l" defTabSz="914400" rtl="0" eaLnBrk="1" latinLnBrk="0" hangingPunct="1">
-              <a:lnSpc>
-                <a:spcPct val="90000"/>
-              </a:lnSpc>
-              <a:spcBef>
-                <a:spcPts val="500"/>
-              </a:spcBef>
-              <a:buClr>
-                <a:srgbClr val="00B050"/>
-              </a:buClr>
-              <a:buFont typeface="Wingdings" panose="05000000000000000000" pitchFamily="2" charset="2"/>
-              <a:buChar char="§"/>
-              <a:defRPr sz="2000" kern="1200">
-                <a:solidFill>
-                  <a:schemeClr val="tx1"/>
-                </a:solidFill>
-                <a:latin typeface="Palatino Linotype" panose="02040502050505030304" pitchFamily="18" charset="0"/>
-                <a:ea typeface="+mn-ea"/>
-                <a:cs typeface="+mn-cs"/>
-              </a:defRPr>
-            </a:lvl2pPr>
-            <a:lvl3pPr marL="1143000" indent="-228600" algn="l" defTabSz="914400" rtl="0" eaLnBrk="1" latinLnBrk="0" hangingPunct="1">
-              <a:lnSpc>
-                <a:spcPct val="90000"/>
-              </a:lnSpc>
-              <a:spcBef>
-                <a:spcPts val="500"/>
-              </a:spcBef>
-              <a:buClr>
-                <a:srgbClr val="00B050"/>
-              </a:buClr>
-              <a:buFont typeface="Arial" panose="020B0604020202020204" pitchFamily="34" charset="0"/>
-              <a:buChar char="•"/>
-              <a:defRPr sz="1800" kern="1200">
-                <a:solidFill>
-                  <a:schemeClr val="tx1"/>
-                </a:solidFill>
-                <a:latin typeface="Palatino Linotype" panose="02040502050505030304" pitchFamily="18" charset="0"/>
-                <a:ea typeface="+mn-ea"/>
-                <a:cs typeface="+mn-cs"/>
-              </a:defRPr>
-            </a:lvl3pPr>
-            <a:lvl4pPr marL="1600200" indent="-228600" algn="l" defTabSz="914400" rtl="0" eaLnBrk="1" latinLnBrk="0" hangingPunct="1">
-              <a:lnSpc>
-                <a:spcPct val="90000"/>
-              </a:lnSpc>
-              <a:spcBef>
-                <a:spcPts val="500"/>
-              </a:spcBef>
-              <a:buClr>
-                <a:srgbClr val="00B050"/>
-              </a:buClr>
-              <a:buFont typeface="Courier New" panose="02070309020205020404" pitchFamily="49" charset="0"/>
-              <a:buChar char="o"/>
-              <a:defRPr sz="1600" kern="1200">
-                <a:solidFill>
-                  <a:schemeClr val="tx1"/>
-                </a:solidFill>
-                <a:latin typeface="Palatino Linotype" panose="02040502050505030304" pitchFamily="18" charset="0"/>
-                <a:ea typeface="+mn-ea"/>
-                <a:cs typeface="+mn-cs"/>
-              </a:defRPr>
-            </a:lvl4pPr>
-            <a:lvl5pPr marL="2057400" indent="-228600" algn="l" defTabSz="914400" rtl="0" eaLnBrk="1" latinLnBrk="0" hangingPunct="1">
-              <a:lnSpc>
-                <a:spcPct val="90000"/>
-              </a:lnSpc>
-              <a:spcBef>
-                <a:spcPts val="500"/>
-              </a:spcBef>
-              <a:buClr>
-                <a:srgbClr val="00B050"/>
-              </a:buClr>
-              <a:buFont typeface="Times New Roman" panose="02020603050405020304" pitchFamily="18" charset="0"/>
-              <a:buChar char="̶"/>
-              <a:defRPr sz="1600" kern="1200">
-                <a:solidFill>
-                  <a:schemeClr val="tx1"/>
-                </a:solidFill>
-                <a:latin typeface="Palatino Linotype" panose="02040502050505030304" pitchFamily="18" charset="0"/>
-                <a:ea typeface="+mn-ea"/>
-                <a:cs typeface="+mn-cs"/>
-              </a:defRPr>
-            </a:lvl5pPr>
-            <a:lvl6pPr marL="2514600" indent="-228600" algn="l" defTabSz="914400" rtl="0" eaLnBrk="1" latinLnBrk="0" hangingPunct="1">
-              <a:lnSpc>
-                <a:spcPct val="90000"/>
-              </a:lnSpc>
-              <a:spcBef>
-                <a:spcPts val="500"/>
-              </a:spcBef>
-              <a:buFont typeface="Arial" panose="020B0604020202020204" pitchFamily="34" charset="0"/>
-              <a:buChar char="•"/>
-              <a:defRPr sz="1800" kern="1200">
-                <a:solidFill>
-                  <a:schemeClr val="tx1"/>
-                </a:solidFill>
-                <a:latin typeface="+mn-lt"/>
-                <a:ea typeface="+mn-ea"/>
-                <a:cs typeface="+mn-cs"/>
-              </a:defRPr>
-            </a:lvl6pPr>
-            <a:lvl7pPr marL="2971800" indent="-228600" algn="l" defTabSz="914400" rtl="0" eaLnBrk="1" latinLnBrk="0" hangingPunct="1">
-              <a:lnSpc>
-                <a:spcPct val="90000"/>
-              </a:lnSpc>
-              <a:spcBef>
-                <a:spcPts val="500"/>
-              </a:spcBef>
-              <a:buFont typeface="Arial" panose="020B0604020202020204" pitchFamily="34" charset="0"/>
-              <a:buChar char="•"/>
-              <a:defRPr sz="1800" kern="1200">
-                <a:solidFill>
-                  <a:schemeClr val="tx1"/>
-                </a:solidFill>
-                <a:latin typeface="+mn-lt"/>
-                <a:ea typeface="+mn-ea"/>
-                <a:cs typeface="+mn-cs"/>
-              </a:defRPr>
-            </a:lvl7pPr>
-            <a:lvl8pPr marL="3429000" indent="-228600" algn="l" defTabSz="914400" rtl="0" eaLnBrk="1" latinLnBrk="0" hangingPunct="1">
-              <a:lnSpc>
-                <a:spcPct val="90000"/>
-              </a:lnSpc>
-              <a:spcBef>
-                <a:spcPts val="500"/>
-              </a:spcBef>
-              <a:buFont typeface="Arial" panose="020B0604020202020204" pitchFamily="34" charset="0"/>
-              <a:buChar char="•"/>
-              <a:defRPr sz="1800" kern="1200">
-                <a:solidFill>
-                  <a:schemeClr val="tx1"/>
-                </a:solidFill>
-                <a:latin typeface="+mn-lt"/>
-                <a:ea typeface="+mn-ea"/>
-                <a:cs typeface="+mn-cs"/>
-              </a:defRPr>
-            </a:lvl8pPr>
-            <a:lvl9pPr marL="3886200" indent="-228600" algn="l" defTabSz="914400" rtl="0" eaLnBrk="1" latinLnBrk="0" hangingPunct="1">
-              <a:lnSpc>
-                <a:spcPct val="90000"/>
-              </a:lnSpc>
-              <a:spcBef>
-                <a:spcPts val="500"/>
-              </a:spcBef>
-              <a:buFont typeface="Arial" panose="020B0604020202020204" pitchFamily="34" charset="0"/>
-              <a:buChar char="•"/>
-              <a:defRPr sz="1800" kern="1200">
-                <a:solidFill>
-                  <a:schemeClr val="tx1"/>
-                </a:solidFill>
-                <a:latin typeface="+mn-lt"/>
-                <a:ea typeface="+mn-ea"/>
-                <a:cs typeface="+mn-cs"/>
-              </a:defRPr>
-            </a:lvl9pPr>
-          </a:lstStyle>
-          <a:p>
-            <a:r>
-              <a:rPr lang="en-US" dirty="0"/>
-              <a:t>Get familiar with the example</a:t>
-            </a:r>
-          </a:p>
-          <a:p>
-            <a:endParaRPr lang="en-US" dirty="0"/>
-          </a:p>
-          <a:p>
-            <a:r>
-              <a:rPr lang="en-US" dirty="0"/>
-              <a:t>Try to integrate the request data flow in your project </a:t>
-            </a:r>
-          </a:p>
-        </p:txBody>
-      </p:sp>
-    </p:spTree>
-    <p:extLst>
-      <p:ext uri="{BB962C8B-B14F-4D97-AF65-F5344CB8AC3E}">
-        <p14:creationId xmlns:p14="http://schemas.microsoft.com/office/powerpoint/2010/main" val="2608999866"/>
-      </p:ext>
-    </p:extLst>
-  </p:cSld>
-  <p:clrMapOvr>
-    <a:masterClrMapping/>
-  </p:clrMapOvr>
-</p:sld>
-</file>
-
-<file path=ppt/slides/slide12.xml><?xml version="1.0" encoding="utf-8"?>
-<p:sld xmlns:a="http://schemas.openxmlformats.org/drawingml/2006/main" xmlns:r="http://schemas.openxmlformats.org/officeDocument/2006/relationships" xmlns:p="http://schemas.openxmlformats.org/presentationml/2006/main">
-  <p:cSld>
-    <p:spTree>
-      <p:nvGrpSpPr>
-        <p:cNvPr id="1" name=""/>
-        <p:cNvGrpSpPr/>
-        <p:nvPr/>
-      </p:nvGrpSpPr>
-      <p:grpSpPr>
-        <a:xfrm>
-          <a:off x="0" y="0"/>
-          <a:ext cx="0" cy="0"/>
-          <a:chOff x="0" y="0"/>
-          <a:chExt cx="0" cy="0"/>
-        </a:xfrm>
-      </p:grpSpPr>
-      <p:sp>
-        <p:nvSpPr>
-          <p:cNvPr id="2" name="Title 1">
-            <a:extLst>
-              <a:ext uri="{FF2B5EF4-FFF2-40B4-BE49-F238E27FC236}">
-                <a16:creationId xmlns:a16="http://schemas.microsoft.com/office/drawing/2014/main" id="{122C1E14-0610-FB4E-BCD3-3BA8CADF9D02}"/>
-              </a:ext>
-            </a:extLst>
-          </p:cNvPr>
-          <p:cNvSpPr>
-            <a:spLocks noGrp="1"/>
-          </p:cNvSpPr>
-          <p:nvPr>
-            <p:ph type="title"/>
-          </p:nvPr>
-        </p:nvSpPr>
-        <p:spPr/>
-        <p:txBody>
-          <a:bodyPr/>
-          <a:lstStyle/>
-          <a:p>
-            <a:r>
-              <a:rPr lang="en-IT" dirty="0"/>
-              <a:t>Outline</a:t>
-            </a:r>
-          </a:p>
-        </p:txBody>
-      </p:sp>
-      <p:sp>
-        <p:nvSpPr>
-          <p:cNvPr id="3" name="Content Placeholder 2">
-            <a:extLst>
-              <a:ext uri="{FF2B5EF4-FFF2-40B4-BE49-F238E27FC236}">
-                <a16:creationId xmlns:a16="http://schemas.microsoft.com/office/drawing/2014/main" id="{8962CCAC-9D70-C543-BBE0-822B6CB5F5CB}"/>
-              </a:ext>
-            </a:extLst>
-          </p:cNvPr>
-          <p:cNvSpPr>
-            <a:spLocks noGrp="1"/>
-          </p:cNvSpPr>
-          <p:nvPr>
-            <p:ph idx="1"/>
-          </p:nvPr>
-        </p:nvSpPr>
-        <p:spPr>
-          <a:xfrm>
-            <a:off x="428172" y="1361167"/>
-            <a:ext cx="11213368" cy="5334907"/>
-          </a:xfrm>
-        </p:spPr>
-        <p:txBody>
-          <a:bodyPr>
-            <a:normAutofit/>
-          </a:bodyPr>
-          <a:lstStyle/>
-          <a:p>
             <a:r>
               <a:rPr lang="en-GB" dirty="0">
                 <a:solidFill>
@@ -3680,7 +3454,7 @@
 </p:sld>
 </file>
 
-<file path=ppt/slides/slide13.xml><?xml version="1.0" encoding="utf-8"?>
+<file path=ppt/slides/slide12.xml><?xml version="1.0" encoding="utf-8"?>
 <p:sld xmlns:a="http://schemas.openxmlformats.org/drawingml/2006/main" xmlns:r="http://schemas.openxmlformats.org/officeDocument/2006/relationships" xmlns:p="http://schemas.openxmlformats.org/presentationml/2006/main">
   <p:cSld>
     <p:spTree>
@@ -8285,1141 +8059,6 @@
           <p:cNvPr id="2" name="Title 1">
             <a:extLst>
               <a:ext uri="{FF2B5EF4-FFF2-40B4-BE49-F238E27FC236}">
-                <a16:creationId xmlns:a16="http://schemas.microsoft.com/office/drawing/2014/main" id="{80BE60FB-C861-1E44-92E6-8F9396441CB2}"/>
-              </a:ext>
-            </a:extLst>
-          </p:cNvPr>
-          <p:cNvSpPr>
-            <a:spLocks noGrp="1"/>
-          </p:cNvSpPr>
-          <p:nvPr>
-            <p:ph type="title"/>
-          </p:nvPr>
-        </p:nvSpPr>
-        <p:spPr/>
-        <p:txBody>
-          <a:bodyPr>
-            <a:normAutofit/>
-          </a:bodyPr>
-          <a:lstStyle/>
-          <a:p>
-            <a:r>
-              <a:rPr lang="en-IT" dirty="0"/>
-              <a:t>The (required) flow in practice</a:t>
-            </a:r>
-          </a:p>
-        </p:txBody>
-      </p:sp>
-      <p:sp>
-        <p:nvSpPr>
-          <p:cNvPr id="4" name="Slide Number Placeholder 3">
-            <a:extLst>
-              <a:ext uri="{FF2B5EF4-FFF2-40B4-BE49-F238E27FC236}">
-                <a16:creationId xmlns:a16="http://schemas.microsoft.com/office/drawing/2014/main" id="{C57ACF48-43BD-9049-83DA-4C0AF0AC5D28}"/>
-              </a:ext>
-            </a:extLst>
-          </p:cNvPr>
-          <p:cNvSpPr>
-            <a:spLocks noGrp="1"/>
-          </p:cNvSpPr>
-          <p:nvPr>
-            <p:ph type="sldNum" sz="quarter" idx="12"/>
-          </p:nvPr>
-        </p:nvSpPr>
-        <p:spPr/>
-        <p:txBody>
-          <a:bodyPr/>
-          <a:lstStyle/>
-          <a:p>
-            <a:fld id="{31DE2C5B-556E-47B8-A792-024C2FCA4ACC}" type="slidenum">
-              <a:rPr lang="en-GB" smtClean="0"/>
-              <a:t>5</a:t>
-            </a:fld>
-            <a:endParaRPr lang="en-GB" dirty="0"/>
-          </a:p>
-        </p:txBody>
-      </p:sp>
-      <p:sp>
-        <p:nvSpPr>
-          <p:cNvPr id="23" name="Rectangle 22">
-            <a:extLst>
-              <a:ext uri="{FF2B5EF4-FFF2-40B4-BE49-F238E27FC236}">
-                <a16:creationId xmlns:a16="http://schemas.microsoft.com/office/drawing/2014/main" id="{447B6308-4B6E-CBE3-2D9A-795918D474AE}"/>
-              </a:ext>
-            </a:extLst>
-          </p:cNvPr>
-          <p:cNvSpPr/>
-          <p:nvPr/>
-        </p:nvSpPr>
-        <p:spPr>
-          <a:xfrm>
-            <a:off x="1417320" y="1311043"/>
-            <a:ext cx="5753451" cy="383311"/>
-          </a:xfrm>
-          <a:prstGeom prst="rect">
-            <a:avLst/>
-          </a:prstGeom>
-          <a:ln w="38100"/>
-        </p:spPr>
-        <p:style>
-          <a:lnRef idx="2">
-            <a:schemeClr val="accent6"/>
-          </a:lnRef>
-          <a:fillRef idx="1">
-            <a:schemeClr val="lt1"/>
-          </a:fillRef>
-          <a:effectRef idx="0">
-            <a:schemeClr val="accent6"/>
-          </a:effectRef>
-          <a:fontRef idx="minor">
-            <a:schemeClr val="dk1"/>
-          </a:fontRef>
-        </p:style>
-        <p:txBody>
-          <a:bodyPr rtlCol="0" anchor="ctr"/>
-          <a:lstStyle/>
-          <a:p>
-            <a:pPr algn="ctr"/>
-            <a:r>
-              <a:rPr lang="en-IT" dirty="0">
-                <a:latin typeface="Palatino Linotype" panose="02040502050505030304" pitchFamily="18" charset="0"/>
-              </a:rPr>
-              <a:t>Use credentials to ask for a JWT token pair</a:t>
-            </a:r>
-          </a:p>
-        </p:txBody>
-      </p:sp>
-      <p:sp>
-        <p:nvSpPr>
-          <p:cNvPr id="24" name="Rectangle 23">
-            <a:extLst>
-              <a:ext uri="{FF2B5EF4-FFF2-40B4-BE49-F238E27FC236}">
-                <a16:creationId xmlns:a16="http://schemas.microsoft.com/office/drawing/2014/main" id="{D94200A1-1176-ECD5-9518-FF1F2DC65A06}"/>
-              </a:ext>
-            </a:extLst>
-          </p:cNvPr>
-          <p:cNvSpPr/>
-          <p:nvPr/>
-        </p:nvSpPr>
-        <p:spPr>
-          <a:xfrm>
-            <a:off x="1417320" y="1956148"/>
-            <a:ext cx="5753450" cy="383311"/>
-          </a:xfrm>
-          <a:prstGeom prst="rect">
-            <a:avLst/>
-          </a:prstGeom>
-          <a:ln w="38100"/>
-        </p:spPr>
-        <p:style>
-          <a:lnRef idx="2">
-            <a:schemeClr val="accent6"/>
-          </a:lnRef>
-          <a:fillRef idx="1">
-            <a:schemeClr val="lt1"/>
-          </a:fillRef>
-          <a:effectRef idx="0">
-            <a:schemeClr val="accent6"/>
-          </a:effectRef>
-          <a:fontRef idx="minor">
-            <a:schemeClr val="dk1"/>
-          </a:fontRef>
-        </p:style>
-        <p:txBody>
-          <a:bodyPr rtlCol="0" anchor="ctr"/>
-          <a:lstStyle/>
-          <a:p>
-            <a:pPr algn="ctr"/>
-            <a:r>
-              <a:rPr lang="en-IT" dirty="0">
-                <a:latin typeface="Palatino Linotype" panose="02040502050505030304" pitchFamily="18" charset="0"/>
-              </a:rPr>
-              <a:t>Receive JWT token pair</a:t>
-            </a:r>
-          </a:p>
-        </p:txBody>
-      </p:sp>
-      <p:sp>
-        <p:nvSpPr>
-          <p:cNvPr id="25" name="Rectangle 24">
-            <a:extLst>
-              <a:ext uri="{FF2B5EF4-FFF2-40B4-BE49-F238E27FC236}">
-                <a16:creationId xmlns:a16="http://schemas.microsoft.com/office/drawing/2014/main" id="{B6D2CFE9-74EF-180D-AA3F-41BAB7CB3621}"/>
-              </a:ext>
-            </a:extLst>
-          </p:cNvPr>
-          <p:cNvSpPr/>
-          <p:nvPr/>
-        </p:nvSpPr>
-        <p:spPr>
-          <a:xfrm>
-            <a:off x="1417320" y="2528771"/>
-            <a:ext cx="5753449" cy="383312"/>
-          </a:xfrm>
-          <a:prstGeom prst="rect">
-            <a:avLst/>
-          </a:prstGeom>
-          <a:ln w="38100"/>
-        </p:spPr>
-        <p:style>
-          <a:lnRef idx="2">
-            <a:schemeClr val="accent6"/>
-          </a:lnRef>
-          <a:fillRef idx="1">
-            <a:schemeClr val="lt1"/>
-          </a:fillRef>
-          <a:effectRef idx="0">
-            <a:schemeClr val="accent6"/>
-          </a:effectRef>
-          <a:fontRef idx="minor">
-            <a:schemeClr val="dk1"/>
-          </a:fontRef>
-        </p:style>
-        <p:txBody>
-          <a:bodyPr rtlCol="0" anchor="ctr"/>
-          <a:lstStyle/>
-          <a:p>
-            <a:pPr algn="ctr"/>
-            <a:r>
-              <a:rPr lang="en-IT" dirty="0">
-                <a:latin typeface="Palatino Linotype" panose="02040502050505030304" pitchFamily="18" charset="0"/>
-              </a:rPr>
-              <a:t>Store token pair for making calls</a:t>
-            </a:r>
-          </a:p>
-        </p:txBody>
-      </p:sp>
-      <p:cxnSp>
-        <p:nvCxnSpPr>
-          <p:cNvPr id="27" name="Straight Arrow Connector 26">
-            <a:extLst>
-              <a:ext uri="{FF2B5EF4-FFF2-40B4-BE49-F238E27FC236}">
-                <a16:creationId xmlns:a16="http://schemas.microsoft.com/office/drawing/2014/main" id="{3332B27A-DC26-B91A-878E-9D1F5A3DB7ED}"/>
-              </a:ext>
-            </a:extLst>
-          </p:cNvPr>
-          <p:cNvCxnSpPr>
-            <a:cxnSpLocks/>
-            <a:stCxn id="23" idx="2"/>
-            <a:endCxn id="24" idx="0"/>
-          </p:cNvCxnSpPr>
-          <p:nvPr/>
-        </p:nvCxnSpPr>
-        <p:spPr>
-          <a:xfrm flipH="1">
-            <a:off x="4294045" y="1694354"/>
-            <a:ext cx="1" cy="261794"/>
-          </a:xfrm>
-          <a:prstGeom prst="straightConnector1">
-            <a:avLst/>
-          </a:prstGeom>
-          <a:ln>
-            <a:tailEnd type="triangle"/>
-          </a:ln>
-        </p:spPr>
-        <p:style>
-          <a:lnRef idx="1">
-            <a:schemeClr val="dk1"/>
-          </a:lnRef>
-          <a:fillRef idx="0">
-            <a:schemeClr val="dk1"/>
-          </a:fillRef>
-          <a:effectRef idx="0">
-            <a:schemeClr val="dk1"/>
-          </a:effectRef>
-          <a:fontRef idx="minor">
-            <a:schemeClr val="tx1"/>
-          </a:fontRef>
-        </p:style>
-      </p:cxnSp>
-      <p:cxnSp>
-        <p:nvCxnSpPr>
-          <p:cNvPr id="31" name="Straight Arrow Connector 30">
-            <a:extLst>
-              <a:ext uri="{FF2B5EF4-FFF2-40B4-BE49-F238E27FC236}">
-                <a16:creationId xmlns:a16="http://schemas.microsoft.com/office/drawing/2014/main" id="{94353CD1-3C6D-5E38-1300-F17E2AB6D4E5}"/>
-              </a:ext>
-            </a:extLst>
-          </p:cNvPr>
-          <p:cNvCxnSpPr>
-            <a:cxnSpLocks/>
-            <a:stCxn id="24" idx="2"/>
-            <a:endCxn id="25" idx="0"/>
-          </p:cNvCxnSpPr>
-          <p:nvPr/>
-        </p:nvCxnSpPr>
-        <p:spPr>
-          <a:xfrm>
-            <a:off x="4294045" y="2339459"/>
-            <a:ext cx="0" cy="189312"/>
-          </a:xfrm>
-          <a:prstGeom prst="straightConnector1">
-            <a:avLst/>
-          </a:prstGeom>
-          <a:ln>
-            <a:tailEnd type="triangle"/>
-          </a:ln>
-        </p:spPr>
-        <p:style>
-          <a:lnRef idx="1">
-            <a:schemeClr val="dk1"/>
-          </a:lnRef>
-          <a:fillRef idx="0">
-            <a:schemeClr val="dk1"/>
-          </a:fillRef>
-          <a:effectRef idx="0">
-            <a:schemeClr val="dk1"/>
-          </a:effectRef>
-          <a:fontRef idx="minor">
-            <a:schemeClr val="tx1"/>
-          </a:fontRef>
-        </p:style>
-      </p:cxnSp>
-      <p:sp>
-        <p:nvSpPr>
-          <p:cNvPr id="28" name="Rectangle 27">
-            <a:extLst>
-              <a:ext uri="{FF2B5EF4-FFF2-40B4-BE49-F238E27FC236}">
-                <a16:creationId xmlns:a16="http://schemas.microsoft.com/office/drawing/2014/main" id="{A97D2822-EC21-B2F1-B64A-510F99B94BCD}"/>
-              </a:ext>
-            </a:extLst>
-          </p:cNvPr>
-          <p:cNvSpPr/>
-          <p:nvPr/>
-        </p:nvSpPr>
-        <p:spPr>
-          <a:xfrm>
-            <a:off x="2878541" y="3310771"/>
-            <a:ext cx="2831004" cy="383313"/>
-          </a:xfrm>
-          <a:prstGeom prst="rect">
-            <a:avLst/>
-          </a:prstGeom>
-          <a:ln w="38100"/>
-        </p:spPr>
-        <p:style>
-          <a:lnRef idx="2">
-            <a:schemeClr val="accent6"/>
-          </a:lnRef>
-          <a:fillRef idx="1">
-            <a:schemeClr val="lt1"/>
-          </a:fillRef>
-          <a:effectRef idx="0">
-            <a:schemeClr val="accent6"/>
-          </a:effectRef>
-          <a:fontRef idx="minor">
-            <a:schemeClr val="dk1"/>
-          </a:fontRef>
-        </p:style>
-        <p:txBody>
-          <a:bodyPr rtlCol="0" anchor="ctr"/>
-          <a:lstStyle/>
-          <a:p>
-            <a:pPr algn="ctr"/>
-            <a:r>
-              <a:rPr lang="en-IT" dirty="0">
-                <a:latin typeface="Palatino Linotype" panose="02040502050505030304" pitchFamily="18" charset="0"/>
-              </a:rPr>
-              <a:t>Access token expired?</a:t>
-            </a:r>
-          </a:p>
-        </p:txBody>
-      </p:sp>
-      <p:sp>
-        <p:nvSpPr>
-          <p:cNvPr id="29" name="Rectangle 28">
-            <a:extLst>
-              <a:ext uri="{FF2B5EF4-FFF2-40B4-BE49-F238E27FC236}">
-                <a16:creationId xmlns:a16="http://schemas.microsoft.com/office/drawing/2014/main" id="{F7560081-E8BB-4EF3-7C7F-5D6D01BF0F5C}"/>
-              </a:ext>
-            </a:extLst>
-          </p:cNvPr>
-          <p:cNvSpPr/>
-          <p:nvPr/>
-        </p:nvSpPr>
-        <p:spPr>
-          <a:xfrm>
-            <a:off x="4843704" y="4881307"/>
-            <a:ext cx="5753449" cy="383312"/>
-          </a:xfrm>
-          <a:prstGeom prst="rect">
-            <a:avLst/>
-          </a:prstGeom>
-          <a:ln w="38100"/>
-        </p:spPr>
-        <p:style>
-          <a:lnRef idx="2">
-            <a:schemeClr val="accent6"/>
-          </a:lnRef>
-          <a:fillRef idx="1">
-            <a:schemeClr val="lt1"/>
-          </a:fillRef>
-          <a:effectRef idx="0">
-            <a:schemeClr val="accent6"/>
-          </a:effectRef>
-          <a:fontRef idx="minor">
-            <a:schemeClr val="dk1"/>
-          </a:fontRef>
-        </p:style>
-        <p:txBody>
-          <a:bodyPr rtlCol="0" anchor="ctr"/>
-          <a:lstStyle/>
-          <a:p>
-            <a:pPr algn="ctr"/>
-            <a:r>
-              <a:rPr lang="en-IT" dirty="0">
-                <a:latin typeface="Palatino Linotype" panose="02040502050505030304" pitchFamily="18" charset="0"/>
-              </a:rPr>
-              <a:t>Make a call to get data using access token</a:t>
-            </a:r>
-          </a:p>
-        </p:txBody>
-      </p:sp>
-      <p:cxnSp>
-        <p:nvCxnSpPr>
-          <p:cNvPr id="30" name="Straight Arrow Connector 29">
-            <a:extLst>
-              <a:ext uri="{FF2B5EF4-FFF2-40B4-BE49-F238E27FC236}">
-                <a16:creationId xmlns:a16="http://schemas.microsoft.com/office/drawing/2014/main" id="{D4BAD13C-8618-93A4-2969-85B61DB190C7}"/>
-              </a:ext>
-            </a:extLst>
-          </p:cNvPr>
-          <p:cNvCxnSpPr>
-            <a:cxnSpLocks/>
-            <a:stCxn id="25" idx="2"/>
-            <a:endCxn id="28" idx="0"/>
-          </p:cNvCxnSpPr>
-          <p:nvPr/>
-        </p:nvCxnSpPr>
-        <p:spPr>
-          <a:xfrm flipH="1">
-            <a:off x="4294043" y="2912083"/>
-            <a:ext cx="2" cy="398688"/>
-          </a:xfrm>
-          <a:prstGeom prst="straightConnector1">
-            <a:avLst/>
-          </a:prstGeom>
-          <a:ln>
-            <a:prstDash val="dash"/>
-            <a:tailEnd type="triangle"/>
-          </a:ln>
-        </p:spPr>
-        <p:style>
-          <a:lnRef idx="1">
-            <a:schemeClr val="accent3"/>
-          </a:lnRef>
-          <a:fillRef idx="0">
-            <a:schemeClr val="accent3"/>
-          </a:fillRef>
-          <a:effectRef idx="0">
-            <a:schemeClr val="accent3"/>
-          </a:effectRef>
-          <a:fontRef idx="minor">
-            <a:schemeClr val="tx1"/>
-          </a:fontRef>
-        </p:style>
-      </p:cxnSp>
-      <p:cxnSp>
-        <p:nvCxnSpPr>
-          <p:cNvPr id="38" name="Straight Arrow Connector 37">
-            <a:extLst>
-              <a:ext uri="{FF2B5EF4-FFF2-40B4-BE49-F238E27FC236}">
-                <a16:creationId xmlns:a16="http://schemas.microsoft.com/office/drawing/2014/main" id="{D51694C6-EA15-11C0-AE43-9FEFE3116949}"/>
-              </a:ext>
-            </a:extLst>
-          </p:cNvPr>
-          <p:cNvCxnSpPr>
-            <a:cxnSpLocks/>
-            <a:stCxn id="28" idx="2"/>
-            <a:endCxn id="29" idx="0"/>
-          </p:cNvCxnSpPr>
-          <p:nvPr/>
-        </p:nvCxnSpPr>
-        <p:spPr>
-          <a:xfrm>
-            <a:off x="4294043" y="3694084"/>
-            <a:ext cx="3426386" cy="1187223"/>
-          </a:xfrm>
-          <a:prstGeom prst="straightConnector1">
-            <a:avLst/>
-          </a:prstGeom>
-          <a:ln>
-            <a:tailEnd type="triangle"/>
-          </a:ln>
-        </p:spPr>
-        <p:style>
-          <a:lnRef idx="1">
-            <a:schemeClr val="dk1"/>
-          </a:lnRef>
-          <a:fillRef idx="0">
-            <a:schemeClr val="dk1"/>
-          </a:fillRef>
-          <a:effectRef idx="0">
-            <a:schemeClr val="dk1"/>
-          </a:effectRef>
-          <a:fontRef idx="minor">
-            <a:schemeClr val="tx1"/>
-          </a:fontRef>
-        </p:style>
-      </p:cxnSp>
-      <p:cxnSp>
-        <p:nvCxnSpPr>
-          <p:cNvPr id="58" name="Straight Arrow Connector 57">
-            <a:extLst>
-              <a:ext uri="{FF2B5EF4-FFF2-40B4-BE49-F238E27FC236}">
-                <a16:creationId xmlns:a16="http://schemas.microsoft.com/office/drawing/2014/main" id="{6C8F217A-C024-20CF-EC5D-56E7C6D53193}"/>
-              </a:ext>
-            </a:extLst>
-          </p:cNvPr>
-          <p:cNvCxnSpPr>
-            <a:cxnSpLocks/>
-            <a:stCxn id="28" idx="2"/>
-            <a:endCxn id="88" idx="0"/>
-          </p:cNvCxnSpPr>
-          <p:nvPr/>
-        </p:nvCxnSpPr>
-        <p:spPr>
-          <a:xfrm flipH="1">
-            <a:off x="2195449" y="3694084"/>
-            <a:ext cx="2098594" cy="1053798"/>
-          </a:xfrm>
-          <a:prstGeom prst="straightConnector1">
-            <a:avLst/>
-          </a:prstGeom>
-          <a:ln>
-            <a:tailEnd type="triangle"/>
-          </a:ln>
-        </p:spPr>
-        <p:style>
-          <a:lnRef idx="1">
-            <a:schemeClr val="dk1"/>
-          </a:lnRef>
-          <a:fillRef idx="0">
-            <a:schemeClr val="dk1"/>
-          </a:fillRef>
-          <a:effectRef idx="0">
-            <a:schemeClr val="dk1"/>
-          </a:effectRef>
-          <a:fontRef idx="minor">
-            <a:schemeClr val="tx1"/>
-          </a:fontRef>
-        </p:style>
-      </p:cxnSp>
-      <p:cxnSp>
-        <p:nvCxnSpPr>
-          <p:cNvPr id="63" name="Straight Arrow Connector 62">
-            <a:extLst>
-              <a:ext uri="{FF2B5EF4-FFF2-40B4-BE49-F238E27FC236}">
-                <a16:creationId xmlns:a16="http://schemas.microsoft.com/office/drawing/2014/main" id="{404A0A1A-02EC-0652-2DB4-9C660F5CBFFE}"/>
-              </a:ext>
-            </a:extLst>
-          </p:cNvPr>
-          <p:cNvCxnSpPr>
-            <a:cxnSpLocks/>
-            <a:stCxn id="88" idx="3"/>
-            <a:endCxn id="29" idx="1"/>
-          </p:cNvCxnSpPr>
-          <p:nvPr/>
-        </p:nvCxnSpPr>
-        <p:spPr>
-          <a:xfrm flipV="1">
-            <a:off x="3992799" y="5072963"/>
-            <a:ext cx="850905" cy="15740"/>
-          </a:xfrm>
-          <a:prstGeom prst="straightConnector1">
-            <a:avLst/>
-          </a:prstGeom>
-          <a:ln>
-            <a:tailEnd type="triangle"/>
-          </a:ln>
-        </p:spPr>
-        <p:style>
-          <a:lnRef idx="1">
-            <a:schemeClr val="dk1"/>
-          </a:lnRef>
-          <a:fillRef idx="0">
-            <a:schemeClr val="dk1"/>
-          </a:fillRef>
-          <a:effectRef idx="0">
-            <a:schemeClr val="dk1"/>
-          </a:effectRef>
-          <a:fontRef idx="minor">
-            <a:schemeClr val="tx1"/>
-          </a:fontRef>
-        </p:style>
-      </p:cxnSp>
-      <p:sp>
-        <p:nvSpPr>
-          <p:cNvPr id="66" name="Content Placeholder 2">
-            <a:extLst>
-              <a:ext uri="{FF2B5EF4-FFF2-40B4-BE49-F238E27FC236}">
-                <a16:creationId xmlns:a16="http://schemas.microsoft.com/office/drawing/2014/main" id="{AA519743-4BEF-00D3-97AE-DF78F1FBC87C}"/>
-              </a:ext>
-            </a:extLst>
-          </p:cNvPr>
-          <p:cNvSpPr txBox="1">
-            <a:spLocks/>
-          </p:cNvSpPr>
-          <p:nvPr/>
-        </p:nvSpPr>
-        <p:spPr>
-          <a:xfrm>
-            <a:off x="2195449" y="3878419"/>
-            <a:ext cx="770038" cy="365125"/>
-          </a:xfrm>
-          <a:prstGeom prst="rect">
-            <a:avLst/>
-          </a:prstGeom>
-        </p:spPr>
-        <p:txBody>
-          <a:bodyPr vert="horz" lIns="91440" tIns="45720" rIns="91440" bIns="45720" rtlCol="0">
-            <a:normAutofit/>
-          </a:bodyPr>
-          <a:lstStyle>
-            <a:lvl1pPr marL="342900" indent="-342900" algn="l" defTabSz="914400" rtl="0" eaLnBrk="1" latinLnBrk="0" hangingPunct="1">
-              <a:lnSpc>
-                <a:spcPct val="90000"/>
-              </a:lnSpc>
-              <a:spcBef>
-                <a:spcPts val="1000"/>
-              </a:spcBef>
-              <a:buClr>
-                <a:srgbClr val="00B050"/>
-              </a:buClr>
-              <a:buFont typeface="Wingdings" panose="05000000000000000000" pitchFamily="2" charset="2"/>
-              <a:buChar char="Ø"/>
-              <a:defRPr sz="2400" kern="1200">
-                <a:solidFill>
-                  <a:schemeClr val="tx1"/>
-                </a:solidFill>
-                <a:latin typeface="Palatino Linotype" panose="02040502050505030304" pitchFamily="18" charset="0"/>
-                <a:ea typeface="+mn-ea"/>
-                <a:cs typeface="+mn-cs"/>
-              </a:defRPr>
-            </a:lvl1pPr>
-            <a:lvl2pPr marL="685800" indent="-228600" algn="l" defTabSz="914400" rtl="0" eaLnBrk="1" latinLnBrk="0" hangingPunct="1">
-              <a:lnSpc>
-                <a:spcPct val="90000"/>
-              </a:lnSpc>
-              <a:spcBef>
-                <a:spcPts val="500"/>
-              </a:spcBef>
-              <a:buClr>
-                <a:srgbClr val="00B050"/>
-              </a:buClr>
-              <a:buFont typeface="Wingdings" panose="05000000000000000000" pitchFamily="2" charset="2"/>
-              <a:buChar char="§"/>
-              <a:defRPr sz="2000" kern="1200">
-                <a:solidFill>
-                  <a:schemeClr val="tx1"/>
-                </a:solidFill>
-                <a:latin typeface="Palatino Linotype" panose="02040502050505030304" pitchFamily="18" charset="0"/>
-                <a:ea typeface="+mn-ea"/>
-                <a:cs typeface="+mn-cs"/>
-              </a:defRPr>
-            </a:lvl2pPr>
-            <a:lvl3pPr marL="1143000" indent="-228600" algn="l" defTabSz="914400" rtl="0" eaLnBrk="1" latinLnBrk="0" hangingPunct="1">
-              <a:lnSpc>
-                <a:spcPct val="90000"/>
-              </a:lnSpc>
-              <a:spcBef>
-                <a:spcPts val="500"/>
-              </a:spcBef>
-              <a:buClr>
-                <a:srgbClr val="00B050"/>
-              </a:buClr>
-              <a:buFont typeface="Arial" panose="020B0604020202020204" pitchFamily="34" charset="0"/>
-              <a:buChar char="•"/>
-              <a:defRPr sz="1800" kern="1200">
-                <a:solidFill>
-                  <a:schemeClr val="tx1"/>
-                </a:solidFill>
-                <a:latin typeface="Palatino Linotype" panose="02040502050505030304" pitchFamily="18" charset="0"/>
-                <a:ea typeface="+mn-ea"/>
-                <a:cs typeface="+mn-cs"/>
-              </a:defRPr>
-            </a:lvl3pPr>
-            <a:lvl4pPr marL="1600200" indent="-228600" algn="l" defTabSz="914400" rtl="0" eaLnBrk="1" latinLnBrk="0" hangingPunct="1">
-              <a:lnSpc>
-                <a:spcPct val="90000"/>
-              </a:lnSpc>
-              <a:spcBef>
-                <a:spcPts val="500"/>
-              </a:spcBef>
-              <a:buClr>
-                <a:srgbClr val="00B050"/>
-              </a:buClr>
-              <a:buFont typeface="Courier New" panose="02070309020205020404" pitchFamily="49" charset="0"/>
-              <a:buChar char="o"/>
-              <a:defRPr sz="1600" kern="1200">
-                <a:solidFill>
-                  <a:schemeClr val="tx1"/>
-                </a:solidFill>
-                <a:latin typeface="Palatino Linotype" panose="02040502050505030304" pitchFamily="18" charset="0"/>
-                <a:ea typeface="+mn-ea"/>
-                <a:cs typeface="+mn-cs"/>
-              </a:defRPr>
-            </a:lvl4pPr>
-            <a:lvl5pPr marL="2057400" indent="-228600" algn="l" defTabSz="914400" rtl="0" eaLnBrk="1" latinLnBrk="0" hangingPunct="1">
-              <a:lnSpc>
-                <a:spcPct val="90000"/>
-              </a:lnSpc>
-              <a:spcBef>
-                <a:spcPts val="500"/>
-              </a:spcBef>
-              <a:buClr>
-                <a:srgbClr val="00B050"/>
-              </a:buClr>
-              <a:buFont typeface="Times New Roman" panose="02020603050405020304" pitchFamily="18" charset="0"/>
-              <a:buChar char="̶"/>
-              <a:defRPr sz="1600" kern="1200">
-                <a:solidFill>
-                  <a:schemeClr val="tx1"/>
-                </a:solidFill>
-                <a:latin typeface="Palatino Linotype" panose="02040502050505030304" pitchFamily="18" charset="0"/>
-                <a:ea typeface="+mn-ea"/>
-                <a:cs typeface="+mn-cs"/>
-              </a:defRPr>
-            </a:lvl5pPr>
-            <a:lvl6pPr marL="2514600" indent="-228600" algn="l" defTabSz="914400" rtl="0" eaLnBrk="1" latinLnBrk="0" hangingPunct="1">
-              <a:lnSpc>
-                <a:spcPct val="90000"/>
-              </a:lnSpc>
-              <a:spcBef>
-                <a:spcPts val="500"/>
-              </a:spcBef>
-              <a:buFont typeface="Arial" panose="020B0604020202020204" pitchFamily="34" charset="0"/>
-              <a:buChar char="•"/>
-              <a:defRPr sz="1800" kern="1200">
-                <a:solidFill>
-                  <a:schemeClr val="tx1"/>
-                </a:solidFill>
-                <a:latin typeface="+mn-lt"/>
-                <a:ea typeface="+mn-ea"/>
-                <a:cs typeface="+mn-cs"/>
-              </a:defRPr>
-            </a:lvl6pPr>
-            <a:lvl7pPr marL="2971800" indent="-228600" algn="l" defTabSz="914400" rtl="0" eaLnBrk="1" latinLnBrk="0" hangingPunct="1">
-              <a:lnSpc>
-                <a:spcPct val="90000"/>
-              </a:lnSpc>
-              <a:spcBef>
-                <a:spcPts val="500"/>
-              </a:spcBef>
-              <a:buFont typeface="Arial" panose="020B0604020202020204" pitchFamily="34" charset="0"/>
-              <a:buChar char="•"/>
-              <a:defRPr sz="1800" kern="1200">
-                <a:solidFill>
-                  <a:schemeClr val="tx1"/>
-                </a:solidFill>
-                <a:latin typeface="+mn-lt"/>
-                <a:ea typeface="+mn-ea"/>
-                <a:cs typeface="+mn-cs"/>
-              </a:defRPr>
-            </a:lvl7pPr>
-            <a:lvl8pPr marL="3429000" indent="-228600" algn="l" defTabSz="914400" rtl="0" eaLnBrk="1" latinLnBrk="0" hangingPunct="1">
-              <a:lnSpc>
-                <a:spcPct val="90000"/>
-              </a:lnSpc>
-              <a:spcBef>
-                <a:spcPts val="500"/>
-              </a:spcBef>
-              <a:buFont typeface="Arial" panose="020B0604020202020204" pitchFamily="34" charset="0"/>
-              <a:buChar char="•"/>
-              <a:defRPr sz="1800" kern="1200">
-                <a:solidFill>
-                  <a:schemeClr val="tx1"/>
-                </a:solidFill>
-                <a:latin typeface="+mn-lt"/>
-                <a:ea typeface="+mn-ea"/>
-                <a:cs typeface="+mn-cs"/>
-              </a:defRPr>
-            </a:lvl8pPr>
-            <a:lvl9pPr marL="3886200" indent="-228600" algn="l" defTabSz="914400" rtl="0" eaLnBrk="1" latinLnBrk="0" hangingPunct="1">
-              <a:lnSpc>
-                <a:spcPct val="90000"/>
-              </a:lnSpc>
-              <a:spcBef>
-                <a:spcPts val="500"/>
-              </a:spcBef>
-              <a:buFont typeface="Arial" panose="020B0604020202020204" pitchFamily="34" charset="0"/>
-              <a:buChar char="•"/>
-              <a:defRPr sz="1800" kern="1200">
-                <a:solidFill>
-                  <a:schemeClr val="tx1"/>
-                </a:solidFill>
-                <a:latin typeface="+mn-lt"/>
-                <a:ea typeface="+mn-ea"/>
-                <a:cs typeface="+mn-cs"/>
-              </a:defRPr>
-            </a:lvl9pPr>
-          </a:lstStyle>
-          <a:p>
-            <a:pPr marL="0" indent="0" algn="ctr">
-              <a:buFont typeface="Wingdings" panose="05000000000000000000" pitchFamily="2" charset="2"/>
-              <a:buNone/>
-            </a:pPr>
-            <a:r>
-              <a:rPr lang="en-IT" sz="1600" b="1" dirty="0">
-                <a:solidFill>
-                  <a:srgbClr val="C00000"/>
-                </a:solidFill>
-              </a:rPr>
-              <a:t>YES</a:t>
-            </a:r>
-          </a:p>
-        </p:txBody>
-      </p:sp>
-      <p:sp>
-        <p:nvSpPr>
-          <p:cNvPr id="67" name="Content Placeholder 2">
-            <a:extLst>
-              <a:ext uri="{FF2B5EF4-FFF2-40B4-BE49-F238E27FC236}">
-                <a16:creationId xmlns:a16="http://schemas.microsoft.com/office/drawing/2014/main" id="{CAED8DAF-8693-1563-7F60-15E843CA49AB}"/>
-              </a:ext>
-            </a:extLst>
-          </p:cNvPr>
-          <p:cNvSpPr txBox="1">
-            <a:spLocks/>
-          </p:cNvSpPr>
-          <p:nvPr/>
-        </p:nvSpPr>
-        <p:spPr>
-          <a:xfrm>
-            <a:off x="5563586" y="3869406"/>
-            <a:ext cx="770038" cy="365125"/>
-          </a:xfrm>
-          <a:prstGeom prst="rect">
-            <a:avLst/>
-          </a:prstGeom>
-        </p:spPr>
-        <p:txBody>
-          <a:bodyPr vert="horz" lIns="91440" tIns="45720" rIns="91440" bIns="45720" rtlCol="0">
-            <a:normAutofit/>
-          </a:bodyPr>
-          <a:lstStyle>
-            <a:lvl1pPr marL="342900" indent="-342900" algn="l" defTabSz="914400" rtl="0" eaLnBrk="1" latinLnBrk="0" hangingPunct="1">
-              <a:lnSpc>
-                <a:spcPct val="90000"/>
-              </a:lnSpc>
-              <a:spcBef>
-                <a:spcPts val="1000"/>
-              </a:spcBef>
-              <a:buClr>
-                <a:srgbClr val="00B050"/>
-              </a:buClr>
-              <a:buFont typeface="Wingdings" panose="05000000000000000000" pitchFamily="2" charset="2"/>
-              <a:buChar char="Ø"/>
-              <a:defRPr sz="2400" kern="1200">
-                <a:solidFill>
-                  <a:schemeClr val="tx1"/>
-                </a:solidFill>
-                <a:latin typeface="Palatino Linotype" panose="02040502050505030304" pitchFamily="18" charset="0"/>
-                <a:ea typeface="+mn-ea"/>
-                <a:cs typeface="+mn-cs"/>
-              </a:defRPr>
-            </a:lvl1pPr>
-            <a:lvl2pPr marL="685800" indent="-228600" algn="l" defTabSz="914400" rtl="0" eaLnBrk="1" latinLnBrk="0" hangingPunct="1">
-              <a:lnSpc>
-                <a:spcPct val="90000"/>
-              </a:lnSpc>
-              <a:spcBef>
-                <a:spcPts val="500"/>
-              </a:spcBef>
-              <a:buClr>
-                <a:srgbClr val="00B050"/>
-              </a:buClr>
-              <a:buFont typeface="Wingdings" panose="05000000000000000000" pitchFamily="2" charset="2"/>
-              <a:buChar char="§"/>
-              <a:defRPr sz="2000" kern="1200">
-                <a:solidFill>
-                  <a:schemeClr val="tx1"/>
-                </a:solidFill>
-                <a:latin typeface="Palatino Linotype" panose="02040502050505030304" pitchFamily="18" charset="0"/>
-                <a:ea typeface="+mn-ea"/>
-                <a:cs typeface="+mn-cs"/>
-              </a:defRPr>
-            </a:lvl2pPr>
-            <a:lvl3pPr marL="1143000" indent="-228600" algn="l" defTabSz="914400" rtl="0" eaLnBrk="1" latinLnBrk="0" hangingPunct="1">
-              <a:lnSpc>
-                <a:spcPct val="90000"/>
-              </a:lnSpc>
-              <a:spcBef>
-                <a:spcPts val="500"/>
-              </a:spcBef>
-              <a:buClr>
-                <a:srgbClr val="00B050"/>
-              </a:buClr>
-              <a:buFont typeface="Arial" panose="020B0604020202020204" pitchFamily="34" charset="0"/>
-              <a:buChar char="•"/>
-              <a:defRPr sz="1800" kern="1200">
-                <a:solidFill>
-                  <a:schemeClr val="tx1"/>
-                </a:solidFill>
-                <a:latin typeface="Palatino Linotype" panose="02040502050505030304" pitchFamily="18" charset="0"/>
-                <a:ea typeface="+mn-ea"/>
-                <a:cs typeface="+mn-cs"/>
-              </a:defRPr>
-            </a:lvl3pPr>
-            <a:lvl4pPr marL="1600200" indent="-228600" algn="l" defTabSz="914400" rtl="0" eaLnBrk="1" latinLnBrk="0" hangingPunct="1">
-              <a:lnSpc>
-                <a:spcPct val="90000"/>
-              </a:lnSpc>
-              <a:spcBef>
-                <a:spcPts val="500"/>
-              </a:spcBef>
-              <a:buClr>
-                <a:srgbClr val="00B050"/>
-              </a:buClr>
-              <a:buFont typeface="Courier New" panose="02070309020205020404" pitchFamily="49" charset="0"/>
-              <a:buChar char="o"/>
-              <a:defRPr sz="1600" kern="1200">
-                <a:solidFill>
-                  <a:schemeClr val="tx1"/>
-                </a:solidFill>
-                <a:latin typeface="Palatino Linotype" panose="02040502050505030304" pitchFamily="18" charset="0"/>
-                <a:ea typeface="+mn-ea"/>
-                <a:cs typeface="+mn-cs"/>
-              </a:defRPr>
-            </a:lvl4pPr>
-            <a:lvl5pPr marL="2057400" indent="-228600" algn="l" defTabSz="914400" rtl="0" eaLnBrk="1" latinLnBrk="0" hangingPunct="1">
-              <a:lnSpc>
-                <a:spcPct val="90000"/>
-              </a:lnSpc>
-              <a:spcBef>
-                <a:spcPts val="500"/>
-              </a:spcBef>
-              <a:buClr>
-                <a:srgbClr val="00B050"/>
-              </a:buClr>
-              <a:buFont typeface="Times New Roman" panose="02020603050405020304" pitchFamily="18" charset="0"/>
-              <a:buChar char="̶"/>
-              <a:defRPr sz="1600" kern="1200">
-                <a:solidFill>
-                  <a:schemeClr val="tx1"/>
-                </a:solidFill>
-                <a:latin typeface="Palatino Linotype" panose="02040502050505030304" pitchFamily="18" charset="0"/>
-                <a:ea typeface="+mn-ea"/>
-                <a:cs typeface="+mn-cs"/>
-              </a:defRPr>
-            </a:lvl5pPr>
-            <a:lvl6pPr marL="2514600" indent="-228600" algn="l" defTabSz="914400" rtl="0" eaLnBrk="1" latinLnBrk="0" hangingPunct="1">
-              <a:lnSpc>
-                <a:spcPct val="90000"/>
-              </a:lnSpc>
-              <a:spcBef>
-                <a:spcPts val="500"/>
-              </a:spcBef>
-              <a:buFont typeface="Arial" panose="020B0604020202020204" pitchFamily="34" charset="0"/>
-              <a:buChar char="•"/>
-              <a:defRPr sz="1800" kern="1200">
-                <a:solidFill>
-                  <a:schemeClr val="tx1"/>
-                </a:solidFill>
-                <a:latin typeface="+mn-lt"/>
-                <a:ea typeface="+mn-ea"/>
-                <a:cs typeface="+mn-cs"/>
-              </a:defRPr>
-            </a:lvl6pPr>
-            <a:lvl7pPr marL="2971800" indent="-228600" algn="l" defTabSz="914400" rtl="0" eaLnBrk="1" latinLnBrk="0" hangingPunct="1">
-              <a:lnSpc>
-                <a:spcPct val="90000"/>
-              </a:lnSpc>
-              <a:spcBef>
-                <a:spcPts val="500"/>
-              </a:spcBef>
-              <a:buFont typeface="Arial" panose="020B0604020202020204" pitchFamily="34" charset="0"/>
-              <a:buChar char="•"/>
-              <a:defRPr sz="1800" kern="1200">
-                <a:solidFill>
-                  <a:schemeClr val="tx1"/>
-                </a:solidFill>
-                <a:latin typeface="+mn-lt"/>
-                <a:ea typeface="+mn-ea"/>
-                <a:cs typeface="+mn-cs"/>
-              </a:defRPr>
-            </a:lvl7pPr>
-            <a:lvl8pPr marL="3429000" indent="-228600" algn="l" defTabSz="914400" rtl="0" eaLnBrk="1" latinLnBrk="0" hangingPunct="1">
-              <a:lnSpc>
-                <a:spcPct val="90000"/>
-              </a:lnSpc>
-              <a:spcBef>
-                <a:spcPts val="500"/>
-              </a:spcBef>
-              <a:buFont typeface="Arial" panose="020B0604020202020204" pitchFamily="34" charset="0"/>
-              <a:buChar char="•"/>
-              <a:defRPr sz="1800" kern="1200">
-                <a:solidFill>
-                  <a:schemeClr val="tx1"/>
-                </a:solidFill>
-                <a:latin typeface="+mn-lt"/>
-                <a:ea typeface="+mn-ea"/>
-                <a:cs typeface="+mn-cs"/>
-              </a:defRPr>
-            </a:lvl8pPr>
-            <a:lvl9pPr marL="3886200" indent="-228600" algn="l" defTabSz="914400" rtl="0" eaLnBrk="1" latinLnBrk="0" hangingPunct="1">
-              <a:lnSpc>
-                <a:spcPct val="90000"/>
-              </a:lnSpc>
-              <a:spcBef>
-                <a:spcPts val="500"/>
-              </a:spcBef>
-              <a:buFont typeface="Arial" panose="020B0604020202020204" pitchFamily="34" charset="0"/>
-              <a:buChar char="•"/>
-              <a:defRPr sz="1800" kern="1200">
-                <a:solidFill>
-                  <a:schemeClr val="tx1"/>
-                </a:solidFill>
-                <a:latin typeface="+mn-lt"/>
-                <a:ea typeface="+mn-ea"/>
-                <a:cs typeface="+mn-cs"/>
-              </a:defRPr>
-            </a:lvl9pPr>
-          </a:lstStyle>
-          <a:p>
-            <a:pPr marL="0" indent="0" algn="ctr">
-              <a:buFont typeface="Wingdings" panose="05000000000000000000" pitchFamily="2" charset="2"/>
-              <a:buNone/>
-            </a:pPr>
-            <a:r>
-              <a:rPr lang="en-IT" sz="1600" b="1" dirty="0">
-                <a:solidFill>
-                  <a:srgbClr val="C00000"/>
-                </a:solidFill>
-              </a:rPr>
-              <a:t>NO</a:t>
-            </a:r>
-          </a:p>
-        </p:txBody>
-      </p:sp>
-      <p:cxnSp>
-        <p:nvCxnSpPr>
-          <p:cNvPr id="69" name="Straight Connector 68">
-            <a:extLst>
-              <a:ext uri="{FF2B5EF4-FFF2-40B4-BE49-F238E27FC236}">
-                <a16:creationId xmlns:a16="http://schemas.microsoft.com/office/drawing/2014/main" id="{9B7B55B2-D574-B610-E2A1-5C32761E9027}"/>
-              </a:ext>
-            </a:extLst>
-          </p:cNvPr>
-          <p:cNvCxnSpPr/>
-          <p:nvPr/>
-        </p:nvCxnSpPr>
-        <p:spPr>
-          <a:xfrm>
-            <a:off x="0" y="3080251"/>
-            <a:ext cx="12192000" cy="0"/>
-          </a:xfrm>
-          <a:prstGeom prst="line">
-            <a:avLst/>
-          </a:prstGeom>
-          <a:ln>
-            <a:solidFill>
-              <a:schemeClr val="bg2">
-                <a:lumMod val="90000"/>
-              </a:schemeClr>
-            </a:solidFill>
-          </a:ln>
-        </p:spPr>
-        <p:style>
-          <a:lnRef idx="1">
-            <a:schemeClr val="dk1"/>
-          </a:lnRef>
-          <a:fillRef idx="0">
-            <a:schemeClr val="dk1"/>
-          </a:fillRef>
-          <a:effectRef idx="0">
-            <a:schemeClr val="dk1"/>
-          </a:effectRef>
-          <a:fontRef idx="minor">
-            <a:schemeClr val="tx1"/>
-          </a:fontRef>
-        </p:style>
-      </p:cxnSp>
-      <p:sp>
-        <p:nvSpPr>
-          <p:cNvPr id="88" name="Rectangle 87">
-            <a:extLst>
-              <a:ext uri="{FF2B5EF4-FFF2-40B4-BE49-F238E27FC236}">
-                <a16:creationId xmlns:a16="http://schemas.microsoft.com/office/drawing/2014/main" id="{3AFA570E-D20C-8C65-48DA-B1F1029076A6}"/>
-              </a:ext>
-            </a:extLst>
-          </p:cNvPr>
-          <p:cNvSpPr/>
-          <p:nvPr/>
-        </p:nvSpPr>
-        <p:spPr>
-          <a:xfrm>
-            <a:off x="398099" y="4747882"/>
-            <a:ext cx="3594700" cy="681641"/>
-          </a:xfrm>
-          <a:prstGeom prst="rect">
-            <a:avLst/>
-          </a:prstGeom>
-          <a:ln w="38100"/>
-        </p:spPr>
-        <p:style>
-          <a:lnRef idx="2">
-            <a:schemeClr val="accent6"/>
-          </a:lnRef>
-          <a:fillRef idx="1">
-            <a:schemeClr val="lt1"/>
-          </a:fillRef>
-          <a:effectRef idx="0">
-            <a:schemeClr val="accent6"/>
-          </a:effectRef>
-          <a:fontRef idx="minor">
-            <a:schemeClr val="dk1"/>
-          </a:fontRef>
-        </p:style>
-        <p:txBody>
-          <a:bodyPr rtlCol="0" anchor="ctr"/>
-          <a:lstStyle/>
-          <a:p>
-            <a:pPr algn="ctr"/>
-            <a:r>
-              <a:rPr lang="en-IT" dirty="0">
-                <a:latin typeface="Palatino Linotype" panose="02040502050505030304" pitchFamily="18" charset="0"/>
-              </a:rPr>
-              <a:t>Get a new token pair using the refresh token and store it</a:t>
-            </a:r>
-          </a:p>
-        </p:txBody>
-      </p:sp>
-    </p:spTree>
-    <p:extLst>
-      <p:ext uri="{BB962C8B-B14F-4D97-AF65-F5344CB8AC3E}">
-        <p14:creationId xmlns:p14="http://schemas.microsoft.com/office/powerpoint/2010/main" val="2140494342"/>
-      </p:ext>
-    </p:extLst>
-  </p:cSld>
-  <p:clrMapOvr>
-    <a:masterClrMapping/>
-  </p:clrMapOvr>
-</p:sld>
-</file>
-
-<file path=ppt/slides/slide6.xml><?xml version="1.0" encoding="utf-8"?>
-<p:sld xmlns:a="http://schemas.openxmlformats.org/drawingml/2006/main" xmlns:r="http://schemas.openxmlformats.org/officeDocument/2006/relationships" xmlns:p="http://schemas.openxmlformats.org/presentationml/2006/main">
-  <p:cSld>
-    <p:spTree>
-      <p:nvGrpSpPr>
-        <p:cNvPr id="1" name=""/>
-        <p:cNvGrpSpPr/>
-        <p:nvPr/>
-      </p:nvGrpSpPr>
-      <p:grpSpPr>
-        <a:xfrm>
-          <a:off x="0" y="0"/>
-          <a:ext cx="0" cy="0"/>
-          <a:chOff x="0" y="0"/>
-          <a:chExt cx="0" cy="0"/>
-        </a:xfrm>
-      </p:grpSpPr>
-      <p:sp>
-        <p:nvSpPr>
-          <p:cNvPr id="2" name="Title 1">
-            <a:extLst>
-              <a:ext uri="{FF2B5EF4-FFF2-40B4-BE49-F238E27FC236}">
                 <a16:creationId xmlns:a16="http://schemas.microsoft.com/office/drawing/2014/main" id="{122C1E14-0610-FB4E-BCD3-3BA8CADF9D02}"/>
               </a:ext>
             </a:extLst>
@@ -9539,7 +8178,7 @@
 </p:sld>
 </file>
 
-<file path=ppt/slides/slide7.xml><?xml version="1.0" encoding="utf-8"?>
+<file path=ppt/slides/slide6.xml><?xml version="1.0" encoding="utf-8"?>
 <p:sld xmlns:a="http://schemas.openxmlformats.org/drawingml/2006/main" xmlns:r="http://schemas.openxmlformats.org/officeDocument/2006/relationships" xmlns:p="http://schemas.openxmlformats.org/presentationml/2006/main">
   <p:cSld>
     <p:spTree>
@@ -9669,7 +8308,7 @@
 </p:sld>
 </file>
 
-<file path=ppt/slides/slide8.xml><?xml version="1.0" encoding="utf-8"?>
+<file path=ppt/slides/slide7.xml><?xml version="1.0" encoding="utf-8"?>
 <p:sld xmlns:a="http://schemas.openxmlformats.org/drawingml/2006/main" xmlns:r="http://schemas.openxmlformats.org/officeDocument/2006/relationships" xmlns:p="http://schemas.openxmlformats.org/presentationml/2006/main">
   <p:cSld>
     <p:spTree>
@@ -9739,7 +8378,7 @@
           <a:p>
             <a:fld id="{31DE2C5B-556E-47B8-A792-024C2FCA4ACC}" type="slidenum">
               <a:rPr lang="en-GB" smtClean="0"/>
-              <a:t>8</a:t>
+              <a:t>7</a:t>
             </a:fld>
             <a:endParaRPr lang="en-GB" dirty="0"/>
           </a:p>
@@ -10387,7 +9026,7 @@
 </p:sld>
 </file>
 
-<file path=ppt/slides/slide9.xml><?xml version="1.0" encoding="utf-8"?>
+<file path=ppt/slides/slide8.xml><?xml version="1.0" encoding="utf-8"?>
 <p:sld xmlns:a="http://schemas.openxmlformats.org/drawingml/2006/main" xmlns:r="http://schemas.openxmlformats.org/officeDocument/2006/relationships" xmlns:p="http://schemas.openxmlformats.org/presentationml/2006/main">
   <p:cSld>
     <p:spTree>
@@ -10682,7 +9321,23 @@
           <a:p>
             <a:r>
               <a:rPr lang="en-IT" dirty="0"/>
-              <a:t>Let’s implement the operations required to request the data</a:t>
+              <a:t>Let’s </a:t>
+            </a:r>
+            <a:r>
+              <a:rPr lang="en-IT"/>
+              <a:t>implement </a:t>
+            </a:r>
+            <a:r>
+              <a:rPr lang="en-US" dirty="0"/>
+              <a:t>(a subset of) </a:t>
+            </a:r>
+            <a:r>
+              <a:rPr lang="en-IT"/>
+              <a:t>the </a:t>
+            </a:r>
+            <a:r>
+              <a:rPr lang="en-IT" dirty="0"/>
+              <a:t>operations required to request the data</a:t>
             </a:r>
             <a:endParaRPr lang="en-IT" b="1" dirty="0"/>
           </a:p>
@@ -11638,10 +10293,10 @@
       </p:sp>
       <p:pic>
         <p:nvPicPr>
-          <p:cNvPr id="28" name="Picture 27" descr="A picture containing text, screenshot, design&#10;&#10;Description automatically generated">
+          <p:cNvPr id="13" name="Picture 12" descr="A screenshot of a phone&#10;&#10;Description automatically generated">
             <a:extLst>
               <a:ext uri="{FF2B5EF4-FFF2-40B4-BE49-F238E27FC236}">
-                <a16:creationId xmlns:a16="http://schemas.microsoft.com/office/drawing/2014/main" id="{D5B93E54-1CB1-3DF9-24EC-82EBC7194179}"/>
+                <a16:creationId xmlns:a16="http://schemas.microsoft.com/office/drawing/2014/main" id="{8180B451-BA15-018F-3208-3014BF5CFF96}"/>
               </a:ext>
             </a:extLst>
           </p:cNvPr>
@@ -11664,8 +10319,8 @@
         </p:blipFill>
         <p:spPr>
           <a:xfrm>
-            <a:off x="9061622" y="99759"/>
-            <a:ext cx="2883620" cy="6240880"/>
+            <a:off x="8891574" y="161926"/>
+            <a:ext cx="2862244" cy="6203747"/>
           </a:xfrm>
           <a:prstGeom prst="rect">
             <a:avLst/>
@@ -11676,6 +10331,147 @@
     <p:extLst>
       <p:ext uri="{BB962C8B-B14F-4D97-AF65-F5344CB8AC3E}">
         <p14:creationId xmlns:p14="http://schemas.microsoft.com/office/powerpoint/2010/main" val="1033640339"/>
+      </p:ext>
+    </p:extLst>
+  </p:cSld>
+  <p:clrMapOvr>
+    <a:masterClrMapping/>
+  </p:clrMapOvr>
+</p:sld>
+</file>
+
+<file path=ppt/slides/slide9.xml><?xml version="1.0" encoding="utf-8"?>
+<p:sld xmlns:a="http://schemas.openxmlformats.org/drawingml/2006/main" xmlns:r="http://schemas.openxmlformats.org/officeDocument/2006/relationships" xmlns:p="http://schemas.openxmlformats.org/presentationml/2006/main">
+  <p:cSld>
+    <p:spTree>
+      <p:nvGrpSpPr>
+        <p:cNvPr id="1" name=""/>
+        <p:cNvGrpSpPr/>
+        <p:nvPr/>
+      </p:nvGrpSpPr>
+      <p:grpSpPr>
+        <a:xfrm>
+          <a:off x="0" y="0"/>
+          <a:ext cx="0" cy="0"/>
+          <a:chOff x="0" y="0"/>
+          <a:chExt cx="0" cy="0"/>
+        </a:xfrm>
+      </p:grpSpPr>
+      <p:sp>
+        <p:nvSpPr>
+          <p:cNvPr id="2" name="Title 1">
+            <a:extLst>
+              <a:ext uri="{FF2B5EF4-FFF2-40B4-BE49-F238E27FC236}">
+                <a16:creationId xmlns:a16="http://schemas.microsoft.com/office/drawing/2014/main" id="{122C1E14-0610-FB4E-BCD3-3BA8CADF9D02}"/>
+              </a:ext>
+            </a:extLst>
+          </p:cNvPr>
+          <p:cNvSpPr>
+            <a:spLocks noGrp="1"/>
+          </p:cNvSpPr>
+          <p:nvPr>
+            <p:ph type="title"/>
+          </p:nvPr>
+        </p:nvSpPr>
+        <p:spPr/>
+        <p:txBody>
+          <a:bodyPr/>
+          <a:lstStyle/>
+          <a:p>
+            <a:r>
+              <a:rPr lang="en-IT" dirty="0"/>
+              <a:t>Outline</a:t>
+            </a:r>
+          </a:p>
+        </p:txBody>
+      </p:sp>
+      <p:sp>
+        <p:nvSpPr>
+          <p:cNvPr id="3" name="Content Placeholder 2">
+            <a:extLst>
+              <a:ext uri="{FF2B5EF4-FFF2-40B4-BE49-F238E27FC236}">
+                <a16:creationId xmlns:a16="http://schemas.microsoft.com/office/drawing/2014/main" id="{8962CCAC-9D70-C543-BBE0-822B6CB5F5CB}"/>
+              </a:ext>
+            </a:extLst>
+          </p:cNvPr>
+          <p:cNvSpPr>
+            <a:spLocks noGrp="1"/>
+          </p:cNvSpPr>
+          <p:nvPr>
+            <p:ph idx="1"/>
+          </p:nvPr>
+        </p:nvSpPr>
+        <p:spPr>
+          <a:xfrm>
+            <a:off x="428172" y="1361167"/>
+            <a:ext cx="11213368" cy="5334907"/>
+          </a:xfrm>
+        </p:spPr>
+        <p:txBody>
+          <a:bodyPr>
+            <a:normAutofit/>
+          </a:bodyPr>
+          <a:lstStyle/>
+          <a:p>
+            <a:r>
+              <a:rPr lang="en-GB" dirty="0">
+                <a:solidFill>
+                  <a:schemeClr val="bg2">
+                    <a:lumMod val="90000"/>
+                  </a:schemeClr>
+                </a:solidFill>
+              </a:rPr>
+              <a:t>Recap</a:t>
+            </a:r>
+          </a:p>
+          <a:p>
+            <a:r>
+              <a:rPr lang="en-GB" dirty="0">
+                <a:solidFill>
+                  <a:schemeClr val="bg2">
+                    <a:lumMod val="90000"/>
+                  </a:schemeClr>
+                </a:solidFill>
+              </a:rPr>
+              <a:t>Requesting data from IMPACT</a:t>
+            </a:r>
+          </a:p>
+          <a:p>
+            <a:endParaRPr lang="en-GB" dirty="0">
+              <a:solidFill>
+                <a:schemeClr val="bg2">
+                  <a:lumMod val="90000"/>
+                </a:schemeClr>
+              </a:solidFill>
+            </a:endParaRPr>
+          </a:p>
+          <a:p>
+            <a:r>
+              <a:rPr lang="en-GB" b="1" dirty="0"/>
+              <a:t>Exercise</a:t>
+            </a:r>
+          </a:p>
+          <a:p>
+            <a:r>
+              <a:rPr lang="en-GB" dirty="0">
+                <a:solidFill>
+                  <a:schemeClr val="bg2">
+                    <a:lumMod val="90000"/>
+                  </a:schemeClr>
+                </a:solidFill>
+              </a:rPr>
+              <a:t>Resources</a:t>
+            </a:r>
+          </a:p>
+          <a:p>
+            <a:endParaRPr lang="en-GB" dirty="0"/>
+          </a:p>
+        </p:txBody>
+      </p:sp>
+    </p:spTree>
+    <p:extLst>
+      <p:ext uri="{BB962C8B-B14F-4D97-AF65-F5344CB8AC3E}">
+        <p14:creationId xmlns:p14="http://schemas.microsoft.com/office/powerpoint/2010/main" val="532546349"/>
       </p:ext>
     </p:extLst>
   </p:cSld>
